--- a/FINAL/final.pptx
+++ b/FINAL/final.pptx
@@ -20718,10 +20718,10 @@
       </p:sp>
       <p:pic>
         <p:nvPicPr>
-          <p:cNvPr id="4" name="Picture 3">
+          <p:cNvPr id="3" name="Picture 2">
             <a:extLst>
               <a:ext uri="{FF2B5EF4-FFF2-40B4-BE49-F238E27FC236}">
-                <a16:creationId xmlns:a16="http://schemas.microsoft.com/office/drawing/2014/main" id="{847316A7-BB5F-9357-400D-81B51F21D6D6}"/>
+                <a16:creationId xmlns:a16="http://schemas.microsoft.com/office/drawing/2014/main" id="{D449B41E-E783-002C-7EA7-1982F1BE99B6}"/>
               </a:ext>
             </a:extLst>
           </p:cNvPr>
@@ -20744,8 +20744,8 @@
         </p:blipFill>
         <p:spPr>
           <a:xfrm>
-            <a:off x="2836973" y="3346071"/>
-            <a:ext cx="5926027" cy="2963014"/>
+            <a:off x="2666989" y="3321159"/>
+            <a:ext cx="5586057" cy="2793029"/>
           </a:xfrm>
           <a:prstGeom prst="rect">
             <a:avLst/>
@@ -21339,10 +21339,10 @@
       </p:sp>
       <p:pic>
         <p:nvPicPr>
-          <p:cNvPr id="3" name="Picture 2">
+          <p:cNvPr id="4" name="Picture 3">
             <a:extLst>
               <a:ext uri="{FF2B5EF4-FFF2-40B4-BE49-F238E27FC236}">
-                <a16:creationId xmlns:a16="http://schemas.microsoft.com/office/drawing/2014/main" id="{62940591-E4F7-7574-718A-D6E591005854}"/>
+                <a16:creationId xmlns:a16="http://schemas.microsoft.com/office/drawing/2014/main" id="{08DE5F89-7B1A-ADA5-8F44-DE2B33C5DD5A}"/>
               </a:ext>
             </a:extLst>
           </p:cNvPr>
@@ -21365,8 +21365,8 @@
         </p:blipFill>
         <p:spPr>
           <a:xfrm>
-            <a:off x="2338742" y="2638344"/>
-            <a:ext cx="7419403" cy="3709702"/>
+            <a:off x="1811205" y="2743199"/>
+            <a:ext cx="7293435" cy="3646718"/>
           </a:xfrm>
           <a:prstGeom prst="rect">
             <a:avLst/>
@@ -21960,10 +21960,10 @@
       </p:sp>
       <p:pic>
         <p:nvPicPr>
-          <p:cNvPr id="4" name="Picture 3">
+          <p:cNvPr id="3" name="Picture 2">
             <a:extLst>
               <a:ext uri="{FF2B5EF4-FFF2-40B4-BE49-F238E27FC236}">
-                <a16:creationId xmlns:a16="http://schemas.microsoft.com/office/drawing/2014/main" id="{BBCFF9BE-5C38-ECBD-3DDA-42282524ACD8}"/>
+                <a16:creationId xmlns:a16="http://schemas.microsoft.com/office/drawing/2014/main" id="{5AEDE3E4-208D-F781-D9BC-24C94830B2CB}"/>
               </a:ext>
             </a:extLst>
           </p:cNvPr>
@@ -21986,8 +21986,8 @@
         </p:blipFill>
         <p:spPr>
           <a:xfrm>
-            <a:off x="2373912" y="3065584"/>
-            <a:ext cx="6904903" cy="3452452"/>
+            <a:off x="2033943" y="3182815"/>
+            <a:ext cx="6723187" cy="3361594"/>
           </a:xfrm>
           <a:prstGeom prst="rect">
             <a:avLst/>
